--- a/Project Presentation.pptx
+++ b/Project Presentation.pptx
@@ -109,6 +109,11 @@
       </a:defRPr>
     </a:lvl9pPr>
   </p:defaultTextStyle>
+  <p:extLst>
+    <p:ext uri="{EFAFB233-063F-42B5-8137-9DF3F51BA10A}">
+      <p15:sldGuideLst xmlns:p15="http://schemas.microsoft.com/office/powerpoint/2012/main"/>
+    </p:ext>
+  </p:extLst>
 </p:presentation>
 </file>
 
@@ -268,7 +273,7 @@
           <a:p>
             <a:fld id="{098A0168-EB40-45AF-89A1-87DE0A55FFC6}" type="datetime1">
               <a:rPr lang="en-US" smtClean="0"/>
-              <a:t>2/15/2024</a:t>
+              <a:t>2/16/2024</a:t>
             </a:fld>
             <a:endParaRPr lang="en-US"/>
           </a:p>
@@ -519,7 +524,7 @@
           <a:p>
             <a:fld id="{8F8CA68F-747D-436A-B5BB-2EBC3ED499E4}" type="datetime1">
               <a:rPr lang="en-US" smtClean="0"/>
-              <a:t>2/15/2024</a:t>
+              <a:t>2/16/2024</a:t>
             </a:fld>
             <a:endParaRPr lang="en-US"/>
           </a:p>
@@ -729,7 +734,7 @@
           <a:p>
             <a:fld id="{6DD8DC11-9E39-40A0-B3DC-E3F2AD04A616}" type="datetime1">
               <a:rPr lang="en-US" smtClean="0"/>
-              <a:t>2/15/2024</a:t>
+              <a:t>2/16/2024</a:t>
             </a:fld>
             <a:endParaRPr lang="en-US"/>
           </a:p>
@@ -939,7 +944,7 @@
           <a:p>
             <a:fld id="{BE0A88F0-556B-4BB7-8AAB-D63AEB65C662}" type="datetime1">
               <a:rPr lang="en-US" smtClean="0"/>
-              <a:t>2/15/2024</a:t>
+              <a:t>2/16/2024</a:t>
             </a:fld>
             <a:endParaRPr lang="en-US"/>
           </a:p>
@@ -1256,7 +1261,7 @@
           <a:p>
             <a:fld id="{60E05506-6815-4E0E-B1DE-ECA35C2016DF}" type="datetime1">
               <a:rPr lang="en-US" smtClean="0"/>
-              <a:t>2/15/2024</a:t>
+              <a:t>2/16/2024</a:t>
             </a:fld>
             <a:endParaRPr lang="en-US"/>
           </a:p>
@@ -1529,7 +1534,7 @@
           <a:p>
             <a:fld id="{FC6E85F7-A724-48A4-9D33-CEBC5174E865}" type="datetime1">
               <a:rPr lang="en-US" smtClean="0"/>
-              <a:t>2/15/2024</a:t>
+              <a:t>2/16/2024</a:t>
             </a:fld>
             <a:endParaRPr lang="en-US"/>
           </a:p>
@@ -2040,7 +2045,7 @@
           <a:p>
             <a:fld id="{42806E7A-BDD3-46A3-BEE2-EB821F9236B4}" type="datetime1">
               <a:rPr lang="en-US" smtClean="0"/>
-              <a:t>2/15/2024</a:t>
+              <a:t>2/16/2024</a:t>
             </a:fld>
             <a:endParaRPr lang="en-US"/>
           </a:p>
@@ -2273,7 +2278,7 @@
           <a:p>
             <a:fld id="{9ED1540C-9440-4E7A-B71A-BEFEE06869E3}" type="datetime1">
               <a:rPr lang="en-US" smtClean="0"/>
-              <a:t>2/15/2024</a:t>
+              <a:t>2/16/2024</a:t>
             </a:fld>
             <a:endParaRPr lang="en-US"/>
           </a:p>
@@ -2386,7 +2391,7 @@
           <a:p>
             <a:fld id="{E0318DDB-88AC-4039-B59C-B05DC4C9C16C}" type="datetime1">
               <a:rPr lang="en-US" smtClean="0"/>
-              <a:t>2/15/2024</a:t>
+              <a:t>2/16/2024</a:t>
             </a:fld>
             <a:endParaRPr lang="en-US"/>
           </a:p>
@@ -2701,7 +2706,7 @@
           <a:p>
             <a:fld id="{E082ABFB-60E7-4BA1-866A-7059F058065B}" type="datetime1">
               <a:rPr lang="en-US" smtClean="0"/>
-              <a:t>2/15/2024</a:t>
+              <a:t>2/16/2024</a:t>
             </a:fld>
             <a:endParaRPr lang="en-US"/>
           </a:p>
@@ -2993,7 +2998,7 @@
           <a:p>
             <a:fld id="{2694112F-55F4-4776-A323-7418930321C8}" type="datetime1">
               <a:rPr lang="en-US" smtClean="0"/>
-              <a:t>2/15/2024</a:t>
+              <a:t>2/16/2024</a:t>
             </a:fld>
             <a:endParaRPr lang="en-US"/>
           </a:p>
@@ -3288,7 +3293,7 @@
           <a:p>
             <a:fld id="{CFBEA57F-793F-4683-BD8A-741FD4B89154}" type="datetime1">
               <a:rPr lang="en-US" smtClean="0"/>
-              <a:t>2/15/2024</a:t>
+              <a:t>2/16/2024</a:t>
             </a:fld>
             <a:endParaRPr lang="en-US" dirty="0"/>
           </a:p>
@@ -4064,7 +4069,7 @@
           <a:p>
             <a:fld id="{BE0A88F0-556B-4BB7-8AAB-D63AEB65C662}" type="datetime1">
               <a:rPr lang="en-US" smtClean="0"/>
-              <a:t>2/15/2024</a:t>
+              <a:t>2/16/2024</a:t>
             </a:fld>
             <a:endParaRPr lang="en-US" dirty="0"/>
           </a:p>
@@ -4801,12 +4806,47 @@
           </a:p>
         </p:txBody>
       </p:sp>
+      <p:sp>
+        <p:nvSpPr>
+          <p:cNvPr id="9" name="TextBox 8">
+            <a:extLst>
+              <a:ext uri="{FF2B5EF4-FFF2-40B4-BE49-F238E27FC236}">
+                <a16:creationId xmlns:a16="http://schemas.microsoft.com/office/drawing/2014/main" id="{3F47FE66-9F99-FB86-BBA1-8ED2D380FF42}"/>
+              </a:ext>
+            </a:extLst>
+          </p:cNvPr>
+          <p:cNvSpPr txBox="1"/>
+          <p:nvPr/>
+        </p:nvSpPr>
+        <p:spPr>
+          <a:xfrm>
+            <a:off x="83320" y="5759808"/>
+            <a:ext cx="5130601" cy="646331"/>
+          </a:xfrm>
+          <a:prstGeom prst="rect">
+            <a:avLst/>
+          </a:prstGeom>
+          <a:noFill/>
+        </p:spPr>
+        <p:txBody>
+          <a:bodyPr wrap="square" rtlCol="0">
+            <a:spAutoFit/>
+          </a:bodyPr>
+          <a:lstStyle/>
+          <a:p>
+            <a:r>
+              <a:rPr lang="en-US" dirty="0"/>
+              <a:t>We recommend following these confidence intervals to maintain proper inventory</a:t>
+            </a:r>
+          </a:p>
+        </p:txBody>
+      </p:sp>
       <p:pic>
         <p:nvPicPr>
-          <p:cNvPr id="7" name="Picture 6">
-            <a:extLst>
-              <a:ext uri="{FF2B5EF4-FFF2-40B4-BE49-F238E27FC236}">
-                <a16:creationId xmlns:a16="http://schemas.microsoft.com/office/drawing/2014/main" id="{DE1B9DAF-40A5-8CBA-EC6C-F6F962ABBB9B}"/>
+          <p:cNvPr id="4" name="Picture 3">
+            <a:extLst>
+              <a:ext uri="{FF2B5EF4-FFF2-40B4-BE49-F238E27FC236}">
+                <a16:creationId xmlns:a16="http://schemas.microsoft.com/office/drawing/2014/main" id="{AAE35C73-390E-B966-359C-F60ED0FA98C6}"/>
               </a:ext>
             </a:extLst>
           </p:cNvPr>
@@ -4823,49 +4863,14 @@
         </p:blipFill>
         <p:spPr>
           <a:xfrm>
-            <a:off x="5397795" y="149087"/>
-            <a:ext cx="6894757" cy="6708913"/>
+            <a:off x="4856672" y="0"/>
+            <a:ext cx="7370254" cy="7025463"/>
           </a:xfrm>
           <a:prstGeom prst="rect">
             <a:avLst/>
           </a:prstGeom>
         </p:spPr>
       </p:pic>
-      <p:sp>
-        <p:nvSpPr>
-          <p:cNvPr id="9" name="TextBox 8">
-            <a:extLst>
-              <a:ext uri="{FF2B5EF4-FFF2-40B4-BE49-F238E27FC236}">
-                <a16:creationId xmlns:a16="http://schemas.microsoft.com/office/drawing/2014/main" id="{3F47FE66-9F99-FB86-BBA1-8ED2D380FF42}"/>
-              </a:ext>
-            </a:extLst>
-          </p:cNvPr>
-          <p:cNvSpPr txBox="1"/>
-          <p:nvPr/>
-        </p:nvSpPr>
-        <p:spPr>
-          <a:xfrm>
-            <a:off x="83320" y="5759808"/>
-            <a:ext cx="5130601" cy="646331"/>
-          </a:xfrm>
-          <a:prstGeom prst="rect">
-            <a:avLst/>
-          </a:prstGeom>
-          <a:noFill/>
-        </p:spPr>
-        <p:txBody>
-          <a:bodyPr wrap="square" rtlCol="0">
-            <a:spAutoFit/>
-          </a:bodyPr>
-          <a:lstStyle/>
-          <a:p>
-            <a:r>
-              <a:rPr lang="en-US" dirty="0"/>
-              <a:t>We recommend following these confidence intervals to maintain proper inventory</a:t>
-            </a:r>
-          </a:p>
-        </p:txBody>
-      </p:sp>
     </p:spTree>
     <p:extLst>
       <p:ext uri="{BB962C8B-B14F-4D97-AF65-F5344CB8AC3E}">
@@ -5152,7 +5157,7 @@
           <a:p>
             <a:fld id="{BE0A88F0-556B-4BB7-8AAB-D63AEB65C662}" type="datetime1">
               <a:rPr lang="en-US" smtClean="0"/>
-              <a:t>2/15/2024</a:t>
+              <a:t>2/16/2024</a:t>
             </a:fld>
             <a:endParaRPr lang="en-US"/>
           </a:p>
@@ -5300,7 +5305,7 @@
           <a:p>
             <a:fld id="{BE0A88F0-556B-4BB7-8AAB-D63AEB65C662}" type="datetime1">
               <a:rPr lang="en-US" smtClean="0"/>
-              <a:t>2/15/2024</a:t>
+              <a:t>2/16/2024</a:t>
             </a:fld>
             <a:endParaRPr lang="en-US"/>
           </a:p>
@@ -6168,7 +6173,7 @@
           <a:p>
             <a:fld id="{9ED1540C-9440-4E7A-B71A-BEFEE06869E3}" type="datetime1">
               <a:rPr lang="en-US" smtClean="0"/>
-              <a:t>2/15/2024</a:t>
+              <a:t>2/16/2024</a:t>
             </a:fld>
             <a:endParaRPr lang="en-US"/>
           </a:p>
@@ -6450,7 +6455,7 @@
           <a:p>
             <a:fld id="{9ED1540C-9440-4E7A-B71A-BEFEE06869E3}" type="datetime1">
               <a:rPr lang="en-US" smtClean="0"/>
-              <a:t>2/15/2024</a:t>
+              <a:t>2/16/2024</a:t>
             </a:fld>
             <a:endParaRPr lang="en-US"/>
           </a:p>
@@ -6532,8 +6537,8 @@
         </p:blipFill>
         <p:spPr>
           <a:xfrm>
-            <a:off x="317241" y="326571"/>
-            <a:ext cx="5295790" cy="5113174"/>
+            <a:off x="317240" y="326570"/>
+            <a:ext cx="5583228" cy="5113173"/>
           </a:xfrm>
           <a:prstGeom prst="rect">
             <a:avLst/>
@@ -6562,8 +6567,8 @@
         </p:blipFill>
         <p:spPr>
           <a:xfrm>
-            <a:off x="5747658" y="326570"/>
-            <a:ext cx="6037940" cy="5113173"/>
+            <a:off x="6096000" y="326570"/>
+            <a:ext cx="5778760" cy="5113173"/>
           </a:xfrm>
           <a:prstGeom prst="rect">
             <a:avLst/>
